--- a/doc/第2回文字列操作アルゴリズム.pptx
+++ b/doc/第2回文字列操作アルゴリズム.pptx
@@ -251,7 +251,7 @@
           <a:p>
             <a:fld id="{BC217E9B-DFCD-4DFE-B7ED-A5F6001EB7CB}" type="datetimeFigureOut">
               <a:rPr kumimoji="1" lang="ja-JP" altLang="en-US" smtClean="0"/>
-              <a:t>2019/10/1</a:t>
+              <a:t>2019/10/2</a:t>
             </a:fld>
             <a:endParaRPr kumimoji="1" lang="ja-JP" altLang="en-US"/>
           </a:p>
@@ -453,7 +453,7 @@
           <a:p>
             <a:fld id="{BC217E9B-DFCD-4DFE-B7ED-A5F6001EB7CB}" type="datetimeFigureOut">
               <a:rPr kumimoji="1" lang="ja-JP" altLang="en-US" smtClean="0"/>
-              <a:t>2019/10/1</a:t>
+              <a:t>2019/10/2</a:t>
             </a:fld>
             <a:endParaRPr kumimoji="1" lang="ja-JP" altLang="en-US"/>
           </a:p>
@@ -665,7 +665,7 @@
           <a:p>
             <a:fld id="{BC217E9B-DFCD-4DFE-B7ED-A5F6001EB7CB}" type="datetimeFigureOut">
               <a:rPr kumimoji="1" lang="ja-JP" altLang="en-US" smtClean="0"/>
-              <a:t>2019/10/1</a:t>
+              <a:t>2019/10/2</a:t>
             </a:fld>
             <a:endParaRPr kumimoji="1" lang="ja-JP" altLang="en-US"/>
           </a:p>
@@ -867,7 +867,7 @@
           <a:p>
             <a:fld id="{BC217E9B-DFCD-4DFE-B7ED-A5F6001EB7CB}" type="datetimeFigureOut">
               <a:rPr kumimoji="1" lang="ja-JP" altLang="en-US" smtClean="0"/>
-              <a:t>2019/10/1</a:t>
+              <a:t>2019/10/2</a:t>
             </a:fld>
             <a:endParaRPr kumimoji="1" lang="ja-JP" altLang="en-US"/>
           </a:p>
@@ -1113,7 +1113,7 @@
           <a:p>
             <a:fld id="{BC217E9B-DFCD-4DFE-B7ED-A5F6001EB7CB}" type="datetimeFigureOut">
               <a:rPr kumimoji="1" lang="ja-JP" altLang="en-US" smtClean="0"/>
-              <a:t>2019/10/1</a:t>
+              <a:t>2019/10/2</a:t>
             </a:fld>
             <a:endParaRPr kumimoji="1" lang="ja-JP" altLang="en-US"/>
           </a:p>
@@ -1409,7 +1409,7 @@
           <a:p>
             <a:fld id="{BC217E9B-DFCD-4DFE-B7ED-A5F6001EB7CB}" type="datetimeFigureOut">
               <a:rPr kumimoji="1" lang="ja-JP" altLang="en-US" smtClean="0"/>
-              <a:t>2019/10/1</a:t>
+              <a:t>2019/10/2</a:t>
             </a:fld>
             <a:endParaRPr kumimoji="1" lang="ja-JP" altLang="en-US"/>
           </a:p>
@@ -1840,7 +1840,7 @@
           <a:p>
             <a:fld id="{BC217E9B-DFCD-4DFE-B7ED-A5F6001EB7CB}" type="datetimeFigureOut">
               <a:rPr kumimoji="1" lang="ja-JP" altLang="en-US" smtClean="0"/>
-              <a:t>2019/10/1</a:t>
+              <a:t>2019/10/2</a:t>
             </a:fld>
             <a:endParaRPr kumimoji="1" lang="ja-JP" altLang="en-US"/>
           </a:p>
@@ -1958,7 +1958,7 @@
           <a:p>
             <a:fld id="{BC217E9B-DFCD-4DFE-B7ED-A5F6001EB7CB}" type="datetimeFigureOut">
               <a:rPr kumimoji="1" lang="ja-JP" altLang="en-US" smtClean="0"/>
-              <a:t>2019/10/1</a:t>
+              <a:t>2019/10/2</a:t>
             </a:fld>
             <a:endParaRPr kumimoji="1" lang="ja-JP" altLang="en-US"/>
           </a:p>
@@ -2053,7 +2053,7 @@
           <a:p>
             <a:fld id="{BC217E9B-DFCD-4DFE-B7ED-A5F6001EB7CB}" type="datetimeFigureOut">
               <a:rPr kumimoji="1" lang="ja-JP" altLang="en-US" smtClean="0"/>
-              <a:t>2019/10/1</a:t>
+              <a:t>2019/10/2</a:t>
             </a:fld>
             <a:endParaRPr kumimoji="1" lang="ja-JP" altLang="en-US"/>
           </a:p>
@@ -2362,7 +2362,7 @@
           <a:p>
             <a:fld id="{BC217E9B-DFCD-4DFE-B7ED-A5F6001EB7CB}" type="datetimeFigureOut">
               <a:rPr kumimoji="1" lang="ja-JP" altLang="en-US" smtClean="0"/>
-              <a:t>2019/10/1</a:t>
+              <a:t>2019/10/2</a:t>
             </a:fld>
             <a:endParaRPr kumimoji="1" lang="ja-JP" altLang="en-US"/>
           </a:p>
@@ -2615,7 +2615,7 @@
           <a:p>
             <a:fld id="{BC217E9B-DFCD-4DFE-B7ED-A5F6001EB7CB}" type="datetimeFigureOut">
               <a:rPr kumimoji="1" lang="ja-JP" altLang="en-US" smtClean="0"/>
-              <a:t>2019/10/1</a:t>
+              <a:t>2019/10/2</a:t>
             </a:fld>
             <a:endParaRPr kumimoji="1" lang="ja-JP" altLang="en-US"/>
           </a:p>
@@ -2860,7 +2860,7 @@
           <a:p>
             <a:fld id="{BC217E9B-DFCD-4DFE-B7ED-A5F6001EB7CB}" type="datetimeFigureOut">
               <a:rPr kumimoji="1" lang="ja-JP" altLang="en-US" smtClean="0"/>
-              <a:t>2019/10/1</a:t>
+              <a:t>2019/10/2</a:t>
             </a:fld>
             <a:endParaRPr kumimoji="1" lang="ja-JP" altLang="en-US"/>
           </a:p>
@@ -3455,7 +3455,7 @@
         <p:spPr>
           <a:xfrm>
             <a:off x="1541043" y="1757971"/>
-            <a:ext cx="9619989" cy="3416320"/>
+            <a:ext cx="9619989" cy="3970318"/>
           </a:xfrm>
           <a:prstGeom prst="rect">
             <a:avLst/>
@@ -3510,7 +3510,18 @@
           <a:p>
             <a:r>
               <a:rPr kumimoji="1" lang="ja-JP" altLang="en-US" sz="3600" dirty="0" smtClean="0"/>
-              <a:t>★トレースノートを利用</a:t>
+              <a:t>★トレースノートを</a:t>
+            </a:r>
+            <a:r>
+              <a:rPr kumimoji="1" lang="ja-JP" altLang="en-US" sz="3600" dirty="0" smtClean="0"/>
+              <a:t>利用</a:t>
+            </a:r>
+            <a:endParaRPr kumimoji="1" lang="en-US" altLang="ja-JP" sz="3600" dirty="0" smtClean="0"/>
+          </a:p>
+          <a:p>
+            <a:r>
+              <a:rPr lang="ja-JP" altLang="en-US" sz="3600" dirty="0" smtClean="0"/>
+              <a:t>★北原先生の資料も利用</a:t>
             </a:r>
             <a:endParaRPr kumimoji="1" lang="en-US" altLang="ja-JP" sz="3600" dirty="0" smtClean="0"/>
           </a:p>
